--- a/palestras/ppt/treinamento-csharp.pptx
+++ b/palestras/ppt/treinamento-csharp.pptx
@@ -55,6 +55,8 @@
     <p:sldId id="303" r:id="rId49"/>
     <p:sldId id="304" r:id="rId50"/>
     <p:sldId id="305" r:id="rId51"/>
+    <p:sldId id="306" r:id="rId52"/>
+    <p:sldId id="307" r:id="rId53"/>
   </p:sldIdLst>
   <p:sldSz cx="9144000" cy="5715000" type="screen16x10"/>
   <p:notesSz cx="6858000" cy="9144000"/>
@@ -814,7 +816,7 @@
           <a:p>
             <a:fld id="{F5AA34C5-B8D7-4F6D-86BD-CD63FE8FCBB1}" type="datetimeFigureOut">
               <a:rPr lang="pt-BR" smtClean="0"/>
-              <a:t>14/02/2018</a:t>
+              <a:t>16/02/2018</a:t>
             </a:fld>
             <a:endParaRPr lang="pt-BR"/>
           </a:p>
@@ -997,7 +999,7 @@
           <a:p>
             <a:fld id="{F5AA34C5-B8D7-4F6D-86BD-CD63FE8FCBB1}" type="datetimeFigureOut">
               <a:rPr lang="pt-BR" smtClean="0"/>
-              <a:t>14/02/2018</a:t>
+              <a:t>16/02/2018</a:t>
             </a:fld>
             <a:endParaRPr lang="pt-BR"/>
           </a:p>
@@ -1172,7 +1174,7 @@
           <a:p>
             <a:fld id="{F5AA34C5-B8D7-4F6D-86BD-CD63FE8FCBB1}" type="datetimeFigureOut">
               <a:rPr lang="pt-BR" smtClean="0"/>
-              <a:t>14/02/2018</a:t>
+              <a:t>16/02/2018</a:t>
             </a:fld>
             <a:endParaRPr lang="pt-BR"/>
           </a:p>
@@ -1337,7 +1339,7 @@
           <a:p>
             <a:fld id="{F5AA34C5-B8D7-4F6D-86BD-CD63FE8FCBB1}" type="datetimeFigureOut">
               <a:rPr lang="pt-BR" smtClean="0"/>
-              <a:t>14/02/2018</a:t>
+              <a:t>16/02/2018</a:t>
             </a:fld>
             <a:endParaRPr lang="pt-BR"/>
           </a:p>
@@ -1558,7 +1560,7 @@
           <a:p>
             <a:fld id="{F5AA34C5-B8D7-4F6D-86BD-CD63FE8FCBB1}" type="datetimeFigureOut">
               <a:rPr lang="pt-BR" smtClean="0"/>
-              <a:t>14/02/2018</a:t>
+              <a:t>16/02/2018</a:t>
             </a:fld>
             <a:endParaRPr lang="pt-BR"/>
           </a:p>
@@ -1817,7 +1819,7 @@
           <a:p>
             <a:fld id="{F5AA34C5-B8D7-4F6D-86BD-CD63FE8FCBB1}" type="datetimeFigureOut">
               <a:rPr lang="pt-BR" smtClean="0"/>
-              <a:t>14/02/2018</a:t>
+              <a:t>16/02/2018</a:t>
             </a:fld>
             <a:endParaRPr lang="pt-BR"/>
           </a:p>
@@ -2221,7 +2223,7 @@
           <a:p>
             <a:fld id="{F5AA34C5-B8D7-4F6D-86BD-CD63FE8FCBB1}" type="datetimeFigureOut">
               <a:rPr lang="pt-BR" smtClean="0"/>
-              <a:t>14/02/2018</a:t>
+              <a:t>16/02/2018</a:t>
             </a:fld>
             <a:endParaRPr lang="pt-BR"/>
           </a:p>
@@ -2352,7 +2354,7 @@
           <a:p>
             <a:fld id="{F5AA34C5-B8D7-4F6D-86BD-CD63FE8FCBB1}" type="datetimeFigureOut">
               <a:rPr lang="pt-BR" smtClean="0"/>
-              <a:t>14/02/2018</a:t>
+              <a:t>16/02/2018</a:t>
             </a:fld>
             <a:endParaRPr lang="pt-BR"/>
           </a:p>
@@ -2452,7 +2454,7 @@
           <a:p>
             <a:fld id="{F5AA34C5-B8D7-4F6D-86BD-CD63FE8FCBB1}" type="datetimeFigureOut">
               <a:rPr lang="pt-BR" smtClean="0"/>
-              <a:t>14/02/2018</a:t>
+              <a:t>16/02/2018</a:t>
             </a:fld>
             <a:endParaRPr lang="pt-BR"/>
           </a:p>
@@ -2697,7 +2699,7 @@
           <a:p>
             <a:fld id="{F5AA34C5-B8D7-4F6D-86BD-CD63FE8FCBB1}" type="datetimeFigureOut">
               <a:rPr lang="pt-BR" smtClean="0"/>
-              <a:t>14/02/2018</a:t>
+              <a:t>16/02/2018</a:t>
             </a:fld>
             <a:endParaRPr lang="pt-BR"/>
           </a:p>
@@ -2941,7 +2943,7 @@
           <a:p>
             <a:fld id="{F5AA34C5-B8D7-4F6D-86BD-CD63FE8FCBB1}" type="datetimeFigureOut">
               <a:rPr lang="pt-BR" smtClean="0"/>
-              <a:t>14/02/2018</a:t>
+              <a:t>16/02/2018</a:t>
             </a:fld>
             <a:endParaRPr lang="pt-BR"/>
           </a:p>
@@ -3765,7 +3767,7 @@
           <a:p>
             <a:fld id="{F5AA34C5-B8D7-4F6D-86BD-CD63FE8FCBB1}" type="datetimeFigureOut">
               <a:rPr lang="pt-BR" smtClean="0"/>
-              <a:t>14/02/2018</a:t>
+              <a:t>16/02/2018</a:t>
             </a:fld>
             <a:endParaRPr lang="pt-BR"/>
           </a:p>
@@ -15932,12 +15934,6 @@
               </a:rPr>
               <a:t>    ...</a:t>
             </a:r>
-            <a:endParaRPr lang="pt-BR" sz="1400" dirty="0" smtClean="0">
-              <a:solidFill>
-                <a:srgbClr val="000000"/>
-              </a:solidFill>
-              <a:latin typeface="Consolas"/>
-            </a:endParaRPr>
           </a:p>
           <a:p>
             <a:r>
@@ -16797,12 +16793,6 @@
               </a:rPr>
               <a:t>    ...</a:t>
             </a:r>
-            <a:endParaRPr lang="pt-BR" sz="1400" dirty="0" smtClean="0">
-              <a:solidFill>
-                <a:srgbClr val="000000"/>
-              </a:solidFill>
-              <a:latin typeface="Consolas"/>
-            </a:endParaRPr>
           </a:p>
           <a:p>
             <a:r>
@@ -17672,12 +17662,6 @@
               </a:rPr>
               <a:t>    ...</a:t>
             </a:r>
-            <a:endParaRPr lang="pt-BR" sz="1400" dirty="0" smtClean="0">
-              <a:solidFill>
-                <a:srgbClr val="000000"/>
-              </a:solidFill>
-              <a:latin typeface="Consolas"/>
-            </a:endParaRPr>
           </a:p>
           <a:p>
             <a:r>
@@ -19824,16 +19808,7 @@
                 </a:solidFill>
                 <a:latin typeface="Consolas"/>
               </a:rPr>
-              <a:t>bloco</a:t>
-            </a:r>
-            <a:r>
-              <a:rPr lang="pt-BR" sz="1400" i="1" dirty="0" smtClean="0">
-                <a:solidFill>
-                  <a:srgbClr val="000000"/>
-                </a:solidFill>
-                <a:latin typeface="Consolas"/>
-              </a:rPr>
-              <a:t> de código</a:t>
+              <a:t>bloco de código</a:t>
             </a:r>
             <a:r>
               <a:rPr lang="pt-BR" sz="1400" dirty="0" smtClean="0">
@@ -20011,16 +19986,7 @@
                 </a:solidFill>
                 <a:latin typeface="Consolas"/>
               </a:rPr>
-              <a:t>  </a:t>
-            </a:r>
-            <a:r>
-              <a:rPr lang="pt-BR" sz="1400" dirty="0" smtClean="0">
-                <a:solidFill>
-                  <a:srgbClr val="000000"/>
-                </a:solidFill>
-                <a:latin typeface="Consolas"/>
-              </a:rPr>
-              <a:t>a != b</a:t>
+              <a:t>  a != b</a:t>
             </a:r>
           </a:p>
           <a:p>
@@ -20443,16 +20409,7 @@
                 </a:solidFill>
                 <a:latin typeface="Consolas"/>
               </a:rPr>
-              <a:t>bloco</a:t>
-            </a:r>
-            <a:r>
-              <a:rPr lang="pt-BR" sz="1400" i="1" dirty="0" smtClean="0">
-                <a:solidFill>
-                  <a:srgbClr val="000000"/>
-                </a:solidFill>
-                <a:latin typeface="Consolas"/>
-              </a:rPr>
-              <a:t> de código</a:t>
+              <a:t>bloco de código</a:t>
             </a:r>
             <a:r>
               <a:rPr lang="pt-BR" sz="1400" dirty="0" smtClean="0">
@@ -20699,16 +20656,7 @@
                 </a:solidFill>
                 <a:latin typeface="Consolas"/>
               </a:rPr>
-              <a:t>  </a:t>
-            </a:r>
-            <a:r>
-              <a:rPr lang="pt-BR" sz="1400" dirty="0" smtClean="0">
-                <a:solidFill>
-                  <a:srgbClr val="000000"/>
-                </a:solidFill>
-                <a:latin typeface="Consolas"/>
-              </a:rPr>
-              <a:t>a != b</a:t>
+              <a:t>  a != b</a:t>
             </a:r>
           </a:p>
           <a:p>
@@ -21044,7 +20992,65 @@
                 </a:solidFill>
                 <a:latin typeface="Consolas"/>
               </a:rPr>
-              <a:t>bloco</a:t>
+              <a:t>bloco de código</a:t>
+            </a:r>
+            <a:r>
+              <a:rPr lang="pt-BR" sz="1400" dirty="0" smtClean="0">
+                <a:solidFill>
+                  <a:srgbClr val="000000"/>
+                </a:solidFill>
+                <a:latin typeface="Consolas"/>
+              </a:rPr>
+              <a:t>]</a:t>
+            </a:r>
+          </a:p>
+          <a:p>
+            <a:r>
+              <a:rPr lang="pt-BR" sz="1400" dirty="0" smtClean="0">
+                <a:solidFill>
+                  <a:srgbClr val="000000"/>
+                </a:solidFill>
+                <a:latin typeface="Consolas"/>
+              </a:rPr>
+              <a:t>}</a:t>
+            </a:r>
+          </a:p>
+          <a:p>
+            <a:r>
+              <a:rPr lang="pt-BR" sz="1400" dirty="0" err="1" smtClean="0">
+                <a:solidFill>
+                  <a:srgbClr val="0000FF"/>
+                </a:solidFill>
+                <a:latin typeface="Consolas"/>
+              </a:rPr>
+              <a:t>else</a:t>
+            </a:r>
+            <a:r>
+              <a:rPr lang="pt-BR" sz="1400" dirty="0" smtClean="0">
+                <a:solidFill>
+                  <a:srgbClr val="0000FF"/>
+                </a:solidFill>
+                <a:latin typeface="Consolas"/>
+              </a:rPr>
+              <a:t> </a:t>
+            </a:r>
+            <a:r>
+              <a:rPr lang="pt-BR" sz="1400" dirty="0" err="1" smtClean="0">
+                <a:solidFill>
+                  <a:srgbClr val="0000FF"/>
+                </a:solidFill>
+                <a:latin typeface="Consolas"/>
+              </a:rPr>
+              <a:t>if</a:t>
+            </a:r>
+            <a:r>
+              <a:rPr lang="pt-BR" sz="1400" dirty="0" smtClean="0">
+                <a:solidFill>
+                  <a:srgbClr val="000000"/>
+                </a:solidFill>
+                <a:latin typeface="Consolas"/>
+              </a:rPr>
+              <a:t>([</a:t>
             </a:r>
             <a:r>
               <a:rPr lang="pt-BR" sz="1400" i="1" dirty="0" smtClean="0">
@@ -21053,73 +21059,6 @@
                 </a:solidFill>
                 <a:latin typeface="Consolas"/>
               </a:rPr>
-              <a:t> de código</a:t>
-            </a:r>
-            <a:r>
-              <a:rPr lang="pt-BR" sz="1400" dirty="0" smtClean="0">
-                <a:solidFill>
-                  <a:srgbClr val="000000"/>
-                </a:solidFill>
-                <a:latin typeface="Consolas"/>
-              </a:rPr>
-              <a:t>]</a:t>
-            </a:r>
-          </a:p>
-          <a:p>
-            <a:r>
-              <a:rPr lang="pt-BR" sz="1400" dirty="0" smtClean="0">
-                <a:solidFill>
-                  <a:srgbClr val="000000"/>
-                </a:solidFill>
-                <a:latin typeface="Consolas"/>
-              </a:rPr>
-              <a:t>}</a:t>
-            </a:r>
-          </a:p>
-          <a:p>
-            <a:r>
-              <a:rPr lang="pt-BR" sz="1400" dirty="0" err="1" smtClean="0">
-                <a:solidFill>
-                  <a:srgbClr val="0000FF"/>
-                </a:solidFill>
-                <a:latin typeface="Consolas"/>
-              </a:rPr>
-              <a:t>else</a:t>
-            </a:r>
-            <a:r>
-              <a:rPr lang="pt-BR" sz="1400" dirty="0" smtClean="0">
-                <a:solidFill>
-                  <a:srgbClr val="0000FF"/>
-                </a:solidFill>
-                <a:latin typeface="Consolas"/>
-              </a:rPr>
-              <a:t> </a:t>
-            </a:r>
-            <a:r>
-              <a:rPr lang="pt-BR" sz="1400" dirty="0" err="1" smtClean="0">
-                <a:solidFill>
-                  <a:srgbClr val="0000FF"/>
-                </a:solidFill>
-                <a:latin typeface="Consolas"/>
-              </a:rPr>
-              <a:t>if</a:t>
-            </a:r>
-            <a:r>
-              <a:rPr lang="pt-BR" sz="1400" dirty="0" smtClean="0">
-                <a:solidFill>
-                  <a:srgbClr val="000000"/>
-                </a:solidFill>
-                <a:latin typeface="Consolas"/>
-              </a:rPr>
-              <a:t>([</a:t>
-            </a:r>
-            <a:r>
-              <a:rPr lang="pt-BR" sz="1400" i="1" dirty="0" smtClean="0">
-                <a:solidFill>
-                  <a:srgbClr val="000000"/>
-                </a:solidFill>
-                <a:latin typeface="Consolas"/>
-              </a:rPr>
               <a:t>booleano</a:t>
             </a:r>
             <a:r>
@@ -21131,12 +21070,6 @@
               </a:rPr>
               <a:t>])</a:t>
             </a:r>
-            <a:endParaRPr lang="pt-BR" sz="1400" dirty="0" smtClean="0">
-              <a:solidFill>
-                <a:srgbClr val="000000"/>
-              </a:solidFill>
-              <a:latin typeface="Consolas"/>
-            </a:endParaRPr>
           </a:p>
           <a:p>
             <a:r>
@@ -21413,16 +21346,7 @@
                 </a:solidFill>
                 <a:latin typeface="Consolas"/>
               </a:rPr>
-              <a:t>  </a:t>
-            </a:r>
-            <a:r>
-              <a:rPr lang="pt-BR" sz="1400" dirty="0" smtClean="0">
-                <a:solidFill>
-                  <a:srgbClr val="000000"/>
-                </a:solidFill>
-                <a:latin typeface="Consolas"/>
-              </a:rPr>
-              <a:t>a != b</a:t>
+              <a:t>  a != b</a:t>
             </a:r>
           </a:p>
           <a:p>
@@ -21895,12 +21819,6 @@
               </a:rPr>
               <a:t>])</a:t>
             </a:r>
-            <a:endParaRPr lang="pt-BR" sz="1400" dirty="0" smtClean="0">
-              <a:solidFill>
-                <a:srgbClr val="000000"/>
-              </a:solidFill>
-              <a:latin typeface="Consolas"/>
-            </a:endParaRPr>
           </a:p>
           <a:p>
             <a:r>
@@ -22180,16 +22098,7 @@
                 </a:solidFill>
                 <a:latin typeface="Consolas"/>
               </a:rPr>
-              <a:t>  </a:t>
-            </a:r>
-            <a:r>
-              <a:rPr lang="pt-BR" sz="1400" dirty="0" smtClean="0">
-                <a:solidFill>
-                  <a:srgbClr val="000000"/>
-                </a:solidFill>
-                <a:latin typeface="Consolas"/>
-              </a:rPr>
-              <a:t>a != b</a:t>
+              <a:t>  a != b</a:t>
             </a:r>
           </a:p>
           <a:p>
@@ -22638,12 +22547,6 @@
               </a:rPr>
               <a:t>])</a:t>
             </a:r>
-            <a:endParaRPr lang="pt-BR" sz="1400" dirty="0" smtClean="0">
-              <a:solidFill>
-                <a:srgbClr val="000000"/>
-              </a:solidFill>
-              <a:latin typeface="Consolas"/>
-            </a:endParaRPr>
           </a:p>
           <a:p>
             <a:pPr>
@@ -22893,16 +22796,7 @@
                 </a:solidFill>
                 <a:latin typeface="Consolas"/>
               </a:rPr>
-              <a:t>  </a:t>
-            </a:r>
-            <a:r>
-              <a:rPr lang="pt-BR" sz="1400" dirty="0" smtClean="0">
-                <a:solidFill>
-                  <a:srgbClr val="000000"/>
-                </a:solidFill>
-                <a:latin typeface="Consolas"/>
-              </a:rPr>
-              <a:t>a != b</a:t>
+              <a:t>  a != b</a:t>
             </a:r>
           </a:p>
           <a:p>
@@ -23447,12 +23341,6 @@
               </a:rPr>
               <a:t>x = a &gt; b ? a : b ;</a:t>
             </a:r>
-            <a:endParaRPr lang="en-US" dirty="0" smtClean="0">
-              <a:solidFill>
-                <a:srgbClr val="000000"/>
-              </a:solidFill>
-              <a:latin typeface="Consolas"/>
-            </a:endParaRPr>
           </a:p>
         </p:txBody>
       </p:sp>
@@ -24368,16 +24256,7 @@
                 </a:solidFill>
                 <a:latin typeface="Consolas"/>
               </a:rPr>
-              <a:t>bloco</a:t>
-            </a:r>
-            <a:r>
-              <a:rPr lang="pt-BR" sz="1400" i="1" dirty="0" smtClean="0">
-                <a:solidFill>
-                  <a:srgbClr val="000000"/>
-                </a:solidFill>
-                <a:latin typeface="Consolas"/>
-              </a:rPr>
-              <a:t> de código</a:t>
+              <a:t>bloco de código</a:t>
             </a:r>
             <a:r>
               <a:rPr lang="pt-BR" sz="1400" dirty="0" smtClean="0">
@@ -24555,16 +24434,7 @@
                 </a:solidFill>
                 <a:latin typeface="Consolas"/>
               </a:rPr>
-              <a:t>  </a:t>
-            </a:r>
-            <a:r>
-              <a:rPr lang="pt-BR" sz="1400" dirty="0" smtClean="0">
-                <a:solidFill>
-                  <a:srgbClr val="000000"/>
-                </a:solidFill>
-                <a:latin typeface="Consolas"/>
-              </a:rPr>
-              <a:t>a != b</a:t>
+              <a:t>  a != b</a:t>
             </a:r>
           </a:p>
           <a:p>
@@ -24912,16 +24782,7 @@
                 </a:solidFill>
                 <a:latin typeface="Consolas"/>
               </a:rPr>
-              <a:t>bloco</a:t>
-            </a:r>
-            <a:r>
-              <a:rPr lang="pt-BR" sz="1400" i="1" dirty="0" smtClean="0">
-                <a:solidFill>
-                  <a:srgbClr val="000000"/>
-                </a:solidFill>
-                <a:latin typeface="Consolas"/>
-              </a:rPr>
-              <a:t> de código</a:t>
+              <a:t>bloco de código</a:t>
             </a:r>
             <a:r>
               <a:rPr lang="pt-BR" sz="1400" dirty="0" smtClean="0">
@@ -25137,16 +24998,7 @@
                 </a:solidFill>
                 <a:latin typeface="Consolas"/>
               </a:rPr>
-              <a:t>  </a:t>
-            </a:r>
-            <a:r>
-              <a:rPr lang="pt-BR" sz="1400" dirty="0" smtClean="0">
-                <a:solidFill>
-                  <a:srgbClr val="000000"/>
-                </a:solidFill>
-                <a:latin typeface="Consolas"/>
-              </a:rPr>
-              <a:t>a != b</a:t>
+              <a:t>  a != b</a:t>
             </a:r>
           </a:p>
           <a:p>
@@ -25292,11 +25144,7 @@
           <a:p>
             <a:r>
               <a:rPr lang="pt-BR" dirty="0" smtClean="0"/>
-              <a:t>Condição de parada (booleano): </a:t>
-            </a:r>
-            <a:r>
-              <a:rPr lang="pt-BR" dirty="0" smtClean="0"/>
-              <a:t> </a:t>
+              <a:t>Condição de parada (booleano):  </a:t>
             </a:r>
             <a:endParaRPr lang="pt-BR" dirty="0"/>
           </a:p>
@@ -27376,16 +27224,7 @@
                 </a:solidFill>
                 <a:latin typeface="Consolas"/>
               </a:rPr>
-              <a:t> j </a:t>
-            </a:r>
-            <a:r>
-              <a:rPr lang="en-US" dirty="0" smtClean="0">
-                <a:solidFill>
-                  <a:srgbClr val="000000"/>
-                </a:solidFill>
-                <a:latin typeface="Consolas"/>
-              </a:rPr>
-              <a:t>);</a:t>
+              <a:t> j );</a:t>
             </a:r>
             <a:endParaRPr lang="pt-BR" dirty="0"/>
           </a:p>
@@ -27603,16 +27442,7 @@
                 </a:solidFill>
                 <a:latin typeface="Consolas"/>
               </a:rPr>
-              <a:t> j </a:t>
-            </a:r>
-            <a:r>
-              <a:rPr lang="en-US" dirty="0" smtClean="0">
-                <a:solidFill>
-                  <a:srgbClr val="000000"/>
-                </a:solidFill>
-                <a:latin typeface="Consolas"/>
-              </a:rPr>
-              <a:t>);</a:t>
+              <a:t> j );</a:t>
             </a:r>
             <a:endParaRPr lang="pt-BR" dirty="0"/>
           </a:p>
@@ -28933,6 +28763,1259 @@
     <p:extLst>
       <p:ext uri="{BB962C8B-B14F-4D97-AF65-F5344CB8AC3E}">
         <p14:creationId xmlns:p14="http://schemas.microsoft.com/office/powerpoint/2010/main" val="4019611232"/>
+      </p:ext>
+    </p:extLst>
+  </p:cSld>
+  <p:clrMapOvr>
+    <a:masterClrMapping/>
+  </p:clrMapOvr>
+</p:sld>
+</file>
+
+<file path=ppt/slides/slide51.xml><?xml version="1.0" encoding="utf-8"?>
+<p:sld xmlns:a="http://schemas.openxmlformats.org/drawingml/2006/main" xmlns:r="http://schemas.openxmlformats.org/officeDocument/2006/relationships" xmlns:p="http://schemas.openxmlformats.org/presentationml/2006/main">
+  <p:cSld>
+    <p:spTree>
+      <p:nvGrpSpPr>
+        <p:cNvPr id="1" name=""/>
+        <p:cNvGrpSpPr/>
+        <p:nvPr/>
+      </p:nvGrpSpPr>
+      <p:grpSpPr>
+        <a:xfrm>
+          <a:off x="0" y="0"/>
+          <a:ext cx="0" cy="0"/>
+          <a:chOff x="0" y="0"/>
+          <a:chExt cx="0" cy="0"/>
+        </a:xfrm>
+      </p:grpSpPr>
+      <p:sp>
+        <p:nvSpPr>
+          <p:cNvPr id="5" name="CaixaDeTexto 4"/>
+          <p:cNvSpPr txBox="1"/>
+          <p:nvPr/>
+        </p:nvSpPr>
+        <p:spPr>
+          <a:xfrm>
+            <a:off x="611560" y="1849388"/>
+            <a:ext cx="4007828" cy="3046988"/>
+          </a:xfrm>
+          <a:prstGeom prst="rect">
+            <a:avLst/>
+          </a:prstGeom>
+          <a:noFill/>
+        </p:spPr>
+        <p:txBody>
+          <a:bodyPr wrap="none" rtlCol="0">
+            <a:spAutoFit/>
+          </a:bodyPr>
+          <a:lstStyle/>
+          <a:p>
+            <a:r>
+              <a:rPr lang="en-US" sz="1200" dirty="0">
+                <a:solidFill>
+                  <a:srgbClr val="0000FF"/>
+                </a:solidFill>
+                <a:latin typeface="Consolas"/>
+              </a:rPr>
+              <a:t>public</a:t>
+            </a:r>
+            <a:r>
+              <a:rPr lang="en-US" sz="1200" dirty="0">
+                <a:solidFill>
+                  <a:srgbClr val="000000"/>
+                </a:solidFill>
+                <a:latin typeface="Consolas"/>
+              </a:rPr>
+              <a:t> </a:t>
+            </a:r>
+            <a:r>
+              <a:rPr lang="en-US" sz="1200" dirty="0">
+                <a:solidFill>
+                  <a:srgbClr val="0000FF"/>
+                </a:solidFill>
+                <a:latin typeface="Consolas"/>
+              </a:rPr>
+              <a:t>delegate</a:t>
+            </a:r>
+            <a:r>
+              <a:rPr lang="en-US" sz="1200" dirty="0">
+                <a:solidFill>
+                  <a:srgbClr val="000000"/>
+                </a:solidFill>
+                <a:latin typeface="Consolas"/>
+              </a:rPr>
+              <a:t> </a:t>
+            </a:r>
+            <a:r>
+              <a:rPr lang="en-US" sz="1200" dirty="0">
+                <a:solidFill>
+                  <a:srgbClr val="0000FF"/>
+                </a:solidFill>
+                <a:latin typeface="Consolas"/>
+              </a:rPr>
+              <a:t>void</a:t>
+            </a:r>
+            <a:r>
+              <a:rPr lang="en-US" sz="1200" dirty="0">
+                <a:solidFill>
+                  <a:srgbClr val="000000"/>
+                </a:solidFill>
+                <a:latin typeface="Consolas"/>
+              </a:rPr>
+              <a:t> </a:t>
+            </a:r>
+            <a:r>
+              <a:rPr lang="en-US" sz="1200" dirty="0" err="1">
+                <a:solidFill>
+                  <a:srgbClr val="2B91AF"/>
+                </a:solidFill>
+                <a:latin typeface="Consolas"/>
+              </a:rPr>
+              <a:t>MyCustomDelegate</a:t>
+            </a:r>
+            <a:r>
+              <a:rPr lang="en-US" sz="1200" dirty="0">
+                <a:solidFill>
+                  <a:srgbClr val="000000"/>
+                </a:solidFill>
+                <a:latin typeface="Consolas"/>
+              </a:rPr>
+              <a:t>(</a:t>
+            </a:r>
+            <a:r>
+              <a:rPr lang="en-US" sz="1200" dirty="0" err="1">
+                <a:solidFill>
+                  <a:srgbClr val="0000FF"/>
+                </a:solidFill>
+                <a:latin typeface="Consolas"/>
+              </a:rPr>
+              <a:t>int</a:t>
+            </a:r>
+            <a:r>
+              <a:rPr lang="en-US" sz="1200" dirty="0">
+                <a:solidFill>
+                  <a:srgbClr val="000000"/>
+                </a:solidFill>
+                <a:latin typeface="Consolas"/>
+              </a:rPr>
+              <a:t> </a:t>
+            </a:r>
+            <a:r>
+              <a:rPr lang="en-US" sz="1200" dirty="0" err="1">
+                <a:solidFill>
+                  <a:srgbClr val="000000"/>
+                </a:solidFill>
+                <a:latin typeface="Consolas"/>
+              </a:rPr>
+              <a:t>i</a:t>
+            </a:r>
+            <a:r>
+              <a:rPr lang="en-US" sz="1200" dirty="0">
+                <a:solidFill>
+                  <a:srgbClr val="000000"/>
+                </a:solidFill>
+                <a:latin typeface="Consolas"/>
+              </a:rPr>
+              <a:t>);</a:t>
+            </a:r>
+          </a:p>
+          <a:p>
+            <a:endParaRPr lang="pt-BR" sz="1200" dirty="0">
+              <a:solidFill>
+                <a:srgbClr val="000000"/>
+              </a:solidFill>
+              <a:latin typeface="Consolas"/>
+            </a:endParaRPr>
+          </a:p>
+          <a:p>
+            <a:r>
+              <a:rPr lang="pt-BR" sz="1200" dirty="0" err="1" smtClean="0">
+                <a:solidFill>
+                  <a:srgbClr val="0000FF"/>
+                </a:solidFill>
+                <a:latin typeface="Consolas"/>
+              </a:rPr>
+              <a:t>public</a:t>
+            </a:r>
+            <a:r>
+              <a:rPr lang="pt-BR" sz="1200" dirty="0" smtClean="0">
+                <a:solidFill>
+                  <a:srgbClr val="0000FF"/>
+                </a:solidFill>
+                <a:latin typeface="Consolas"/>
+              </a:rPr>
+              <a:t> </a:t>
+            </a:r>
+            <a:r>
+              <a:rPr lang="pt-BR" sz="1200" dirty="0" err="1" smtClean="0">
+                <a:solidFill>
+                  <a:srgbClr val="0000FF"/>
+                </a:solidFill>
+                <a:latin typeface="Consolas"/>
+              </a:rPr>
+              <a:t>class</a:t>
+            </a:r>
+            <a:r>
+              <a:rPr lang="pt-BR" sz="1200" dirty="0" smtClean="0">
+                <a:solidFill>
+                  <a:srgbClr val="000000"/>
+                </a:solidFill>
+                <a:latin typeface="Consolas"/>
+              </a:rPr>
+              <a:t> </a:t>
+            </a:r>
+            <a:r>
+              <a:rPr lang="pt-BR" sz="1200" dirty="0" err="1">
+                <a:solidFill>
+                  <a:srgbClr val="2B91AF"/>
+                </a:solidFill>
+                <a:latin typeface="Consolas"/>
+              </a:rPr>
+              <a:t>MyClass</a:t>
+            </a:r>
+            <a:endParaRPr lang="pt-BR" sz="1200" dirty="0">
+              <a:solidFill>
+                <a:srgbClr val="000000"/>
+              </a:solidFill>
+              <a:latin typeface="Consolas"/>
+            </a:endParaRPr>
+          </a:p>
+          <a:p>
+            <a:r>
+              <a:rPr lang="pt-BR" sz="1200" dirty="0">
+                <a:solidFill>
+                  <a:srgbClr val="000000"/>
+                </a:solidFill>
+                <a:latin typeface="Consolas"/>
+              </a:rPr>
+              <a:t>{</a:t>
+            </a:r>
+          </a:p>
+          <a:p>
+            <a:r>
+              <a:rPr lang="pt-BR" sz="1200" dirty="0">
+                <a:solidFill>
+                  <a:srgbClr val="000000"/>
+                </a:solidFill>
+                <a:latin typeface="Consolas"/>
+              </a:rPr>
+              <a:t>    </a:t>
+            </a:r>
+            <a:r>
+              <a:rPr lang="pt-BR" sz="1200" dirty="0" err="1">
+                <a:solidFill>
+                  <a:srgbClr val="0000FF"/>
+                </a:solidFill>
+                <a:latin typeface="Consolas"/>
+              </a:rPr>
+              <a:t>public</a:t>
+            </a:r>
+            <a:r>
+              <a:rPr lang="pt-BR" sz="1200" dirty="0">
+                <a:solidFill>
+                  <a:srgbClr val="000000"/>
+                </a:solidFill>
+                <a:latin typeface="Consolas"/>
+              </a:rPr>
+              <a:t> </a:t>
+            </a:r>
+            <a:r>
+              <a:rPr lang="pt-BR" sz="1200" dirty="0" err="1">
+                <a:solidFill>
+                  <a:srgbClr val="0000FF"/>
+                </a:solidFill>
+                <a:latin typeface="Consolas"/>
+              </a:rPr>
+              <a:t>event</a:t>
+            </a:r>
+            <a:r>
+              <a:rPr lang="pt-BR" sz="1200" dirty="0">
+                <a:solidFill>
+                  <a:srgbClr val="000000"/>
+                </a:solidFill>
+                <a:latin typeface="Consolas"/>
+              </a:rPr>
+              <a:t> </a:t>
+            </a:r>
+            <a:r>
+              <a:rPr lang="pt-BR" sz="1200" dirty="0" err="1">
+                <a:solidFill>
+                  <a:srgbClr val="000000"/>
+                </a:solidFill>
+                <a:latin typeface="Consolas"/>
+              </a:rPr>
+              <a:t>MyCustomDelegate</a:t>
+            </a:r>
+            <a:r>
+              <a:rPr lang="pt-BR" sz="1200" dirty="0">
+                <a:solidFill>
+                  <a:srgbClr val="000000"/>
+                </a:solidFill>
+                <a:latin typeface="Consolas"/>
+              </a:rPr>
+              <a:t> </a:t>
+            </a:r>
+            <a:r>
+              <a:rPr lang="pt-BR" sz="1200" dirty="0" err="1">
+                <a:solidFill>
+                  <a:srgbClr val="000000"/>
+                </a:solidFill>
+                <a:latin typeface="Consolas"/>
+              </a:rPr>
+              <a:t>MyEvent</a:t>
+            </a:r>
+            <a:r>
+              <a:rPr lang="pt-BR" sz="1200" dirty="0">
+                <a:solidFill>
+                  <a:srgbClr val="000000"/>
+                </a:solidFill>
+                <a:latin typeface="Consolas"/>
+              </a:rPr>
+              <a:t>;</a:t>
+            </a:r>
+          </a:p>
+          <a:p>
+            <a:endParaRPr lang="pt-BR" sz="1200" dirty="0" smtClean="0">
+              <a:solidFill>
+                <a:srgbClr val="000000"/>
+              </a:solidFill>
+              <a:latin typeface="Consolas"/>
+            </a:endParaRPr>
+          </a:p>
+          <a:p>
+            <a:r>
+              <a:rPr lang="pt-BR" sz="1200" dirty="0" smtClean="0">
+                <a:solidFill>
+                  <a:srgbClr val="000000"/>
+                </a:solidFill>
+                <a:latin typeface="Consolas"/>
+              </a:rPr>
+              <a:t>    </a:t>
+            </a:r>
+            <a:r>
+              <a:rPr lang="pt-BR" sz="1200" dirty="0" err="1">
+                <a:solidFill>
+                  <a:srgbClr val="0000FF"/>
+                </a:solidFill>
+                <a:latin typeface="Consolas"/>
+              </a:rPr>
+              <a:t>private</a:t>
+            </a:r>
+            <a:r>
+              <a:rPr lang="pt-BR" sz="1200" dirty="0">
+                <a:solidFill>
+                  <a:srgbClr val="000000"/>
+                </a:solidFill>
+                <a:latin typeface="Consolas"/>
+              </a:rPr>
+              <a:t> </a:t>
+            </a:r>
+            <a:r>
+              <a:rPr lang="pt-BR" sz="1200" dirty="0" err="1">
+                <a:solidFill>
+                  <a:srgbClr val="0000FF"/>
+                </a:solidFill>
+                <a:latin typeface="Consolas"/>
+              </a:rPr>
+              <a:t>int</a:t>
+            </a:r>
+            <a:r>
+              <a:rPr lang="pt-BR" sz="1200" dirty="0">
+                <a:solidFill>
+                  <a:srgbClr val="000000"/>
+                </a:solidFill>
+                <a:latin typeface="Consolas"/>
+              </a:rPr>
+              <a:t> hits = 0;</a:t>
+            </a:r>
+          </a:p>
+          <a:p>
+            <a:endParaRPr lang="pt-BR" sz="1200" dirty="0">
+              <a:solidFill>
+                <a:srgbClr val="000000"/>
+              </a:solidFill>
+              <a:latin typeface="Consolas"/>
+            </a:endParaRPr>
+          </a:p>
+          <a:p>
+            <a:r>
+              <a:rPr lang="pt-BR" sz="1200" dirty="0">
+                <a:solidFill>
+                  <a:srgbClr val="000000"/>
+                </a:solidFill>
+                <a:latin typeface="Consolas"/>
+              </a:rPr>
+              <a:t>    </a:t>
+            </a:r>
+            <a:r>
+              <a:rPr lang="pt-BR" sz="1200" dirty="0" err="1">
+                <a:solidFill>
+                  <a:srgbClr val="0000FF"/>
+                </a:solidFill>
+                <a:latin typeface="Consolas"/>
+              </a:rPr>
+              <a:t>public</a:t>
+            </a:r>
+            <a:r>
+              <a:rPr lang="pt-BR" sz="1200" dirty="0">
+                <a:solidFill>
+                  <a:srgbClr val="000000"/>
+                </a:solidFill>
+                <a:latin typeface="Consolas"/>
+              </a:rPr>
+              <a:t> </a:t>
+            </a:r>
+            <a:r>
+              <a:rPr lang="pt-BR" sz="1200" dirty="0" err="1">
+                <a:solidFill>
+                  <a:srgbClr val="0000FF"/>
+                </a:solidFill>
+                <a:latin typeface="Consolas"/>
+              </a:rPr>
+              <a:t>void</a:t>
+            </a:r>
+            <a:r>
+              <a:rPr lang="pt-BR" sz="1200" dirty="0">
+                <a:solidFill>
+                  <a:srgbClr val="000000"/>
+                </a:solidFill>
+                <a:latin typeface="Consolas"/>
+              </a:rPr>
+              <a:t> </a:t>
+            </a:r>
+            <a:r>
+              <a:rPr lang="pt-BR" sz="1200" dirty="0" err="1">
+                <a:solidFill>
+                  <a:srgbClr val="000000"/>
+                </a:solidFill>
+                <a:latin typeface="Consolas"/>
+              </a:rPr>
+              <a:t>MyAction</a:t>
+            </a:r>
+            <a:r>
+              <a:rPr lang="pt-BR" sz="1200" dirty="0">
+                <a:solidFill>
+                  <a:srgbClr val="000000"/>
+                </a:solidFill>
+                <a:latin typeface="Consolas"/>
+              </a:rPr>
+              <a:t>()</a:t>
+            </a:r>
+          </a:p>
+          <a:p>
+            <a:r>
+              <a:rPr lang="pt-BR" sz="1200" dirty="0">
+                <a:solidFill>
+                  <a:srgbClr val="000000"/>
+                </a:solidFill>
+                <a:latin typeface="Consolas"/>
+              </a:rPr>
+              <a:t>    {</a:t>
+            </a:r>
+          </a:p>
+          <a:p>
+            <a:r>
+              <a:rPr lang="pt-BR" sz="1200" dirty="0">
+                <a:solidFill>
+                  <a:srgbClr val="000000"/>
+                </a:solidFill>
+                <a:latin typeface="Consolas"/>
+              </a:rPr>
+              <a:t>        hits++;</a:t>
+            </a:r>
+          </a:p>
+          <a:p>
+            <a:endParaRPr lang="pt-BR" sz="1200" dirty="0">
+              <a:solidFill>
+                <a:srgbClr val="000000"/>
+              </a:solidFill>
+              <a:latin typeface="Consolas"/>
+            </a:endParaRPr>
+          </a:p>
+          <a:p>
+            <a:r>
+              <a:rPr lang="pt-BR" sz="1200" dirty="0">
+                <a:solidFill>
+                  <a:srgbClr val="000000"/>
+                </a:solidFill>
+                <a:latin typeface="Consolas"/>
+              </a:rPr>
+              <a:t>        </a:t>
+            </a:r>
+            <a:r>
+              <a:rPr lang="pt-BR" sz="1200" dirty="0" err="1">
+                <a:solidFill>
+                  <a:srgbClr val="0000FF"/>
+                </a:solidFill>
+                <a:latin typeface="Consolas"/>
+              </a:rPr>
+              <a:t>if</a:t>
+            </a:r>
+            <a:r>
+              <a:rPr lang="pt-BR" sz="1200" dirty="0">
+                <a:solidFill>
+                  <a:srgbClr val="000000"/>
+                </a:solidFill>
+                <a:latin typeface="Consolas"/>
+              </a:rPr>
+              <a:t> (</a:t>
+            </a:r>
+            <a:r>
+              <a:rPr lang="pt-BR" sz="1200" dirty="0" err="1">
+                <a:solidFill>
+                  <a:srgbClr val="000000"/>
+                </a:solidFill>
+                <a:latin typeface="Consolas"/>
+              </a:rPr>
+              <a:t>MyEvent</a:t>
+            </a:r>
+            <a:r>
+              <a:rPr lang="pt-BR" sz="1200" dirty="0">
+                <a:solidFill>
+                  <a:srgbClr val="000000"/>
+                </a:solidFill>
+                <a:latin typeface="Consolas"/>
+              </a:rPr>
+              <a:t> != </a:t>
+            </a:r>
+            <a:r>
+              <a:rPr lang="pt-BR" sz="1200" dirty="0" err="1">
+                <a:solidFill>
+                  <a:srgbClr val="0000FF"/>
+                </a:solidFill>
+                <a:latin typeface="Consolas"/>
+              </a:rPr>
+              <a:t>null</a:t>
+            </a:r>
+            <a:r>
+              <a:rPr lang="pt-BR" sz="1200" dirty="0">
+                <a:solidFill>
+                  <a:srgbClr val="000000"/>
+                </a:solidFill>
+                <a:latin typeface="Consolas"/>
+              </a:rPr>
+              <a:t>)</a:t>
+            </a:r>
+          </a:p>
+          <a:p>
+            <a:r>
+              <a:rPr lang="pt-BR" sz="1200" dirty="0" smtClean="0">
+                <a:solidFill>
+                  <a:srgbClr val="000000"/>
+                </a:solidFill>
+                <a:latin typeface="Consolas"/>
+              </a:rPr>
+              <a:t>            </a:t>
+            </a:r>
+            <a:r>
+              <a:rPr lang="pt-BR" sz="1200" dirty="0" err="1" smtClean="0">
+                <a:solidFill>
+                  <a:srgbClr val="000000"/>
+                </a:solidFill>
+                <a:latin typeface="Consolas"/>
+              </a:rPr>
+              <a:t>MyEvent</a:t>
+            </a:r>
+            <a:r>
+              <a:rPr lang="pt-BR" sz="1200" dirty="0" smtClean="0">
+                <a:solidFill>
+                  <a:srgbClr val="000000"/>
+                </a:solidFill>
+                <a:latin typeface="Consolas"/>
+              </a:rPr>
+              <a:t>(hits</a:t>
+            </a:r>
+            <a:r>
+              <a:rPr lang="pt-BR" sz="1200" dirty="0">
+                <a:solidFill>
+                  <a:srgbClr val="000000"/>
+                </a:solidFill>
+                <a:latin typeface="Consolas"/>
+              </a:rPr>
+              <a:t>);</a:t>
+            </a:r>
+          </a:p>
+          <a:p>
+            <a:r>
+              <a:rPr lang="pt-BR" sz="1200" dirty="0" smtClean="0">
+                <a:solidFill>
+                  <a:srgbClr val="000000"/>
+                </a:solidFill>
+                <a:latin typeface="Consolas"/>
+              </a:rPr>
+              <a:t>    }</a:t>
+            </a:r>
+            <a:endParaRPr lang="pt-BR" sz="1200" dirty="0">
+              <a:solidFill>
+                <a:srgbClr val="000000"/>
+              </a:solidFill>
+              <a:latin typeface="Consolas"/>
+            </a:endParaRPr>
+          </a:p>
+          <a:p>
+            <a:r>
+              <a:rPr lang="pt-BR" sz="1200" dirty="0">
+                <a:solidFill>
+                  <a:srgbClr val="000000"/>
+                </a:solidFill>
+                <a:latin typeface="Consolas"/>
+              </a:rPr>
+              <a:t>}</a:t>
+            </a:r>
+          </a:p>
+        </p:txBody>
+      </p:sp>
+      <p:sp>
+        <p:nvSpPr>
+          <p:cNvPr id="7" name="Título 1"/>
+          <p:cNvSpPr>
+            <a:spLocks noGrp="1"/>
+          </p:cNvSpPr>
+          <p:nvPr>
+            <p:ph type="title"/>
+          </p:nvPr>
+        </p:nvSpPr>
+        <p:spPr>
+          <a:xfrm>
+            <a:off x="457200" y="952500"/>
+            <a:ext cx="8229600" cy="889000"/>
+          </a:xfrm>
+        </p:spPr>
+        <p:txBody>
+          <a:bodyPr/>
+          <a:lstStyle/>
+          <a:p>
+            <a:r>
+              <a:rPr lang="pt-BR" dirty="0" err="1" smtClean="0"/>
+              <a:t>Delegates</a:t>
+            </a:r>
+            <a:r>
+              <a:rPr lang="pt-BR" dirty="0" smtClean="0"/>
+              <a:t> e eventos</a:t>
+            </a:r>
+            <a:endParaRPr lang="pt-BR" dirty="0"/>
+          </a:p>
+        </p:txBody>
+      </p:sp>
+      <p:sp>
+        <p:nvSpPr>
+          <p:cNvPr id="8" name="CaixaDeTexto 7"/>
+          <p:cNvSpPr txBox="1"/>
+          <p:nvPr/>
+        </p:nvSpPr>
+        <p:spPr>
+          <a:xfrm>
+            <a:off x="5060269" y="1810479"/>
+            <a:ext cx="3328155" cy="3046988"/>
+          </a:xfrm>
+          <a:prstGeom prst="rect">
+            <a:avLst/>
+          </a:prstGeom>
+          <a:noFill/>
+        </p:spPr>
+        <p:txBody>
+          <a:bodyPr wrap="none" rtlCol="0">
+            <a:spAutoFit/>
+          </a:bodyPr>
+          <a:lstStyle/>
+          <a:p>
+            <a:r>
+              <a:rPr lang="nb-NO" sz="1200" dirty="0">
+                <a:solidFill>
+                  <a:srgbClr val="0000FF"/>
+                </a:solidFill>
+                <a:latin typeface="Consolas"/>
+              </a:rPr>
+              <a:t>private</a:t>
+            </a:r>
+            <a:r>
+              <a:rPr lang="nb-NO" sz="1200" dirty="0">
+                <a:solidFill>
+                  <a:srgbClr val="000000"/>
+                </a:solidFill>
+                <a:latin typeface="Consolas"/>
+              </a:rPr>
+              <a:t> </a:t>
+            </a:r>
+            <a:r>
+              <a:rPr lang="nb-NO" sz="1200" dirty="0" smtClean="0">
+                <a:solidFill>
+                  <a:srgbClr val="0000FF"/>
+                </a:solidFill>
+                <a:latin typeface="Consolas"/>
+              </a:rPr>
+              <a:t>void</a:t>
+            </a:r>
+            <a:r>
+              <a:rPr lang="nb-NO" sz="1200" dirty="0" smtClean="0">
+                <a:solidFill>
+                  <a:srgbClr val="000000"/>
+                </a:solidFill>
+                <a:latin typeface="Consolas"/>
+              </a:rPr>
+              <a:t> MyEvent_Fired(</a:t>
+            </a:r>
+            <a:r>
+              <a:rPr lang="nb-NO" sz="1200" dirty="0" smtClean="0">
+                <a:solidFill>
+                  <a:srgbClr val="0000FF"/>
+                </a:solidFill>
+                <a:latin typeface="Consolas"/>
+              </a:rPr>
+              <a:t>int</a:t>
+            </a:r>
+            <a:r>
+              <a:rPr lang="nb-NO" sz="1200" dirty="0" smtClean="0">
+                <a:solidFill>
+                  <a:srgbClr val="000000"/>
+                </a:solidFill>
+                <a:latin typeface="Consolas"/>
+              </a:rPr>
+              <a:t> </a:t>
+            </a:r>
+            <a:r>
+              <a:rPr lang="nb-NO" sz="1200" dirty="0">
+                <a:solidFill>
+                  <a:srgbClr val="000000"/>
+                </a:solidFill>
+                <a:latin typeface="Consolas"/>
+              </a:rPr>
+              <a:t>i)</a:t>
+            </a:r>
+          </a:p>
+          <a:p>
+            <a:r>
+              <a:rPr lang="pt-BR" sz="1200" dirty="0">
+                <a:solidFill>
+                  <a:srgbClr val="000000"/>
+                </a:solidFill>
+                <a:latin typeface="Consolas"/>
+              </a:rPr>
+              <a:t>{</a:t>
+            </a:r>
+          </a:p>
+          <a:p>
+            <a:r>
+              <a:rPr lang="pt-BR" sz="1200" dirty="0">
+                <a:solidFill>
+                  <a:srgbClr val="000000"/>
+                </a:solidFill>
+                <a:latin typeface="Consolas"/>
+              </a:rPr>
+              <a:t>    </a:t>
+            </a:r>
+            <a:r>
+              <a:rPr lang="pt-BR" sz="1200" dirty="0" err="1">
+                <a:solidFill>
+                  <a:srgbClr val="000000"/>
+                </a:solidFill>
+                <a:latin typeface="Consolas"/>
+              </a:rPr>
+              <a:t>Console.WriteLine</a:t>
+            </a:r>
+            <a:r>
+              <a:rPr lang="pt-BR" sz="1200" dirty="0" smtClean="0">
+                <a:solidFill>
+                  <a:srgbClr val="000000"/>
+                </a:solidFill>
+                <a:latin typeface="Consolas"/>
+              </a:rPr>
+              <a:t>(</a:t>
+            </a:r>
+            <a:r>
+              <a:rPr lang="pt-BR" sz="1200" dirty="0" smtClean="0">
+                <a:solidFill>
+                  <a:srgbClr val="A31515"/>
+                </a:solidFill>
+                <a:latin typeface="Consolas"/>
+              </a:rPr>
+              <a:t>$</a:t>
+            </a:r>
+            <a:r>
+              <a:rPr lang="pt-BR" sz="1200" dirty="0">
+                <a:solidFill>
+                  <a:srgbClr val="A31515"/>
+                </a:solidFill>
+                <a:latin typeface="Consolas"/>
+              </a:rPr>
+              <a:t>"</a:t>
+            </a:r>
+            <a:r>
+              <a:rPr lang="pt-BR" sz="1200" dirty="0" err="1" smtClean="0">
+                <a:solidFill>
+                  <a:srgbClr val="A31515"/>
+                </a:solidFill>
+                <a:latin typeface="Consolas"/>
+              </a:rPr>
+              <a:t>Fired</a:t>
+            </a:r>
+            <a:r>
+              <a:rPr lang="pt-BR" sz="1200" dirty="0" smtClean="0">
+                <a:solidFill>
+                  <a:srgbClr val="A31515"/>
+                </a:solidFill>
+                <a:latin typeface="Consolas"/>
+              </a:rPr>
+              <a:t>: </a:t>
+            </a:r>
+            <a:r>
+              <a:rPr lang="pt-BR" sz="1200" dirty="0">
+                <a:solidFill>
+                  <a:srgbClr val="000000"/>
+                </a:solidFill>
+                <a:latin typeface="Consolas"/>
+              </a:rPr>
+              <a:t>{i</a:t>
+            </a:r>
+            <a:r>
+              <a:rPr lang="pt-BR" sz="1200" dirty="0" smtClean="0">
+                <a:solidFill>
+                  <a:srgbClr val="000000"/>
+                </a:solidFill>
+                <a:latin typeface="Consolas"/>
+              </a:rPr>
+              <a:t>}</a:t>
+            </a:r>
+            <a:r>
+              <a:rPr lang="pt-BR" sz="1200" dirty="0" smtClean="0">
+                <a:solidFill>
+                  <a:srgbClr val="A31515"/>
+                </a:solidFill>
+                <a:latin typeface="Consolas"/>
+              </a:rPr>
+              <a:t>"</a:t>
+            </a:r>
+            <a:r>
+              <a:rPr lang="pt-BR" sz="1200" dirty="0" smtClean="0">
+                <a:solidFill>
+                  <a:srgbClr val="000000"/>
+                </a:solidFill>
+                <a:latin typeface="Consolas"/>
+              </a:rPr>
+              <a:t>);</a:t>
+            </a:r>
+            <a:endParaRPr lang="pt-BR" sz="1200" dirty="0">
+              <a:solidFill>
+                <a:srgbClr val="000000"/>
+              </a:solidFill>
+              <a:latin typeface="Consolas"/>
+            </a:endParaRPr>
+          </a:p>
+          <a:p>
+            <a:r>
+              <a:rPr lang="pt-BR" sz="1200" dirty="0" smtClean="0">
+                <a:solidFill>
+                  <a:srgbClr val="000000"/>
+                </a:solidFill>
+                <a:latin typeface="Consolas"/>
+              </a:rPr>
+              <a:t>}</a:t>
+            </a:r>
+          </a:p>
+          <a:p>
+            <a:endParaRPr lang="pt-BR" sz="1200" dirty="0">
+              <a:solidFill>
+                <a:srgbClr val="000000"/>
+              </a:solidFill>
+              <a:latin typeface="Consolas"/>
+            </a:endParaRPr>
+          </a:p>
+          <a:p>
+            <a:endParaRPr lang="pt-BR" sz="1200" dirty="0" smtClean="0">
+              <a:solidFill>
+                <a:srgbClr val="000000"/>
+              </a:solidFill>
+              <a:latin typeface="Consolas"/>
+            </a:endParaRPr>
+          </a:p>
+          <a:p>
+            <a:r>
+              <a:rPr lang="pt-BR" sz="1200" dirty="0" err="1" smtClean="0">
+                <a:solidFill>
+                  <a:srgbClr val="000000"/>
+                </a:solidFill>
+                <a:latin typeface="Consolas"/>
+              </a:rPr>
+              <a:t>MyClass</a:t>
+            </a:r>
+            <a:r>
+              <a:rPr lang="pt-BR" sz="1200" dirty="0" smtClean="0">
+                <a:solidFill>
+                  <a:srgbClr val="000000"/>
+                </a:solidFill>
+                <a:latin typeface="Consolas"/>
+              </a:rPr>
+              <a:t> </a:t>
+            </a:r>
+            <a:r>
+              <a:rPr lang="pt-BR" sz="1200" dirty="0">
+                <a:solidFill>
+                  <a:srgbClr val="000000"/>
+                </a:solidFill>
+                <a:latin typeface="Consolas"/>
+              </a:rPr>
+              <a:t>c = </a:t>
+            </a:r>
+            <a:r>
+              <a:rPr lang="pt-BR" sz="1200" dirty="0">
+                <a:solidFill>
+                  <a:srgbClr val="0000FF"/>
+                </a:solidFill>
+                <a:latin typeface="Consolas"/>
+              </a:rPr>
+              <a:t>new</a:t>
+            </a:r>
+            <a:r>
+              <a:rPr lang="pt-BR" sz="1200" dirty="0">
+                <a:solidFill>
+                  <a:srgbClr val="000000"/>
+                </a:solidFill>
+                <a:latin typeface="Consolas"/>
+              </a:rPr>
+              <a:t> </a:t>
+            </a:r>
+            <a:r>
+              <a:rPr lang="pt-BR" sz="1200" dirty="0" err="1">
+                <a:solidFill>
+                  <a:srgbClr val="000000"/>
+                </a:solidFill>
+                <a:latin typeface="Consolas"/>
+              </a:rPr>
+              <a:t>MyClass</a:t>
+            </a:r>
+            <a:r>
+              <a:rPr lang="pt-BR" sz="1200" dirty="0">
+                <a:solidFill>
+                  <a:srgbClr val="000000"/>
+                </a:solidFill>
+                <a:latin typeface="Consolas"/>
+              </a:rPr>
+              <a:t>();</a:t>
+            </a:r>
+          </a:p>
+          <a:p>
+            <a:endParaRPr lang="pt-BR" sz="1200" dirty="0" smtClean="0">
+              <a:solidFill>
+                <a:srgbClr val="000000"/>
+              </a:solidFill>
+              <a:latin typeface="Consolas"/>
+            </a:endParaRPr>
+          </a:p>
+          <a:p>
+            <a:r>
+              <a:rPr lang="pt-BR" sz="1200" dirty="0" err="1" smtClean="0">
+                <a:solidFill>
+                  <a:srgbClr val="000000"/>
+                </a:solidFill>
+                <a:latin typeface="Consolas"/>
+              </a:rPr>
+              <a:t>c.MyEvent</a:t>
+            </a:r>
+            <a:r>
+              <a:rPr lang="pt-BR" sz="1200" dirty="0" smtClean="0">
+                <a:solidFill>
+                  <a:srgbClr val="000000"/>
+                </a:solidFill>
+                <a:latin typeface="Consolas"/>
+              </a:rPr>
+              <a:t> </a:t>
+            </a:r>
+            <a:r>
+              <a:rPr lang="pt-BR" sz="1200" dirty="0">
+                <a:solidFill>
+                  <a:srgbClr val="000000"/>
+                </a:solidFill>
+                <a:latin typeface="Consolas"/>
+              </a:rPr>
+              <a:t>+= </a:t>
+            </a:r>
+            <a:r>
+              <a:rPr lang="nb-NO" sz="1200" dirty="0">
+                <a:solidFill>
+                  <a:srgbClr val="000000"/>
+                </a:solidFill>
+                <a:latin typeface="Consolas"/>
+              </a:rPr>
+              <a:t>MyEvent_Fired</a:t>
+            </a:r>
+            <a:r>
+              <a:rPr lang="pt-BR" sz="1200" dirty="0" smtClean="0">
+                <a:solidFill>
+                  <a:srgbClr val="000000"/>
+                </a:solidFill>
+                <a:latin typeface="Consolas"/>
+              </a:rPr>
+              <a:t>;</a:t>
+            </a:r>
+          </a:p>
+          <a:p>
+            <a:endParaRPr lang="pt-BR" sz="1200" dirty="0">
+              <a:solidFill>
+                <a:srgbClr val="000000"/>
+              </a:solidFill>
+              <a:latin typeface="Consolas"/>
+            </a:endParaRPr>
+          </a:p>
+          <a:p>
+            <a:r>
+              <a:rPr lang="pt-BR" sz="1200" dirty="0" err="1" smtClean="0">
+                <a:solidFill>
+                  <a:srgbClr val="000000"/>
+                </a:solidFill>
+                <a:latin typeface="Consolas"/>
+              </a:rPr>
+              <a:t>c.MyAction</a:t>
+            </a:r>
+            <a:r>
+              <a:rPr lang="pt-BR" sz="1200" dirty="0" smtClean="0">
+                <a:solidFill>
+                  <a:srgbClr val="000000"/>
+                </a:solidFill>
+                <a:latin typeface="Consolas"/>
+              </a:rPr>
+              <a:t>();</a:t>
+            </a:r>
+          </a:p>
+          <a:p>
+            <a:endParaRPr lang="pt-BR" sz="1200" dirty="0">
+              <a:solidFill>
+                <a:srgbClr val="000000"/>
+              </a:solidFill>
+              <a:latin typeface="Consolas"/>
+            </a:endParaRPr>
+          </a:p>
+          <a:p>
+            <a:r>
+              <a:rPr lang="pt-BR" sz="1200" dirty="0" err="1">
+                <a:solidFill>
+                  <a:srgbClr val="000000"/>
+                </a:solidFill>
+                <a:latin typeface="Consolas"/>
+              </a:rPr>
+              <a:t>c.MyEvent</a:t>
+            </a:r>
+            <a:r>
+              <a:rPr lang="pt-BR" sz="1200" dirty="0">
+                <a:solidFill>
+                  <a:srgbClr val="000000"/>
+                </a:solidFill>
+                <a:latin typeface="Consolas"/>
+              </a:rPr>
+              <a:t> </a:t>
+            </a:r>
+            <a:r>
+              <a:rPr lang="pt-BR" sz="1200" dirty="0" smtClean="0">
+                <a:solidFill>
+                  <a:srgbClr val="000000"/>
+                </a:solidFill>
+                <a:latin typeface="Consolas"/>
+              </a:rPr>
+              <a:t>-= </a:t>
+            </a:r>
+            <a:r>
+              <a:rPr lang="nb-NO" sz="1200" dirty="0">
+                <a:solidFill>
+                  <a:srgbClr val="000000"/>
+                </a:solidFill>
+                <a:latin typeface="Consolas"/>
+              </a:rPr>
+              <a:t>MyEvent_Fired</a:t>
+            </a:r>
+            <a:r>
+              <a:rPr lang="pt-BR" sz="1200" dirty="0" smtClean="0">
+                <a:solidFill>
+                  <a:srgbClr val="000000"/>
+                </a:solidFill>
+                <a:latin typeface="Consolas"/>
+              </a:rPr>
+              <a:t>;</a:t>
+            </a:r>
+            <a:endParaRPr lang="pt-BR" sz="1200" dirty="0">
+              <a:solidFill>
+                <a:srgbClr val="000000"/>
+              </a:solidFill>
+              <a:latin typeface="Consolas"/>
+            </a:endParaRPr>
+          </a:p>
+          <a:p>
+            <a:endParaRPr lang="pt-BR" sz="1200" dirty="0" smtClean="0"/>
+          </a:p>
+          <a:p>
+            <a:r>
+              <a:rPr lang="pt-BR" sz="1200" dirty="0" err="1">
+                <a:solidFill>
+                  <a:srgbClr val="000000"/>
+                </a:solidFill>
+                <a:latin typeface="Consolas"/>
+              </a:rPr>
+              <a:t>c.MyAction</a:t>
+            </a:r>
+            <a:r>
+              <a:rPr lang="pt-BR" sz="1200" dirty="0">
+                <a:solidFill>
+                  <a:srgbClr val="000000"/>
+                </a:solidFill>
+                <a:latin typeface="Consolas"/>
+              </a:rPr>
+              <a:t>();</a:t>
+            </a:r>
+          </a:p>
+          <a:p>
+            <a:endParaRPr lang="pt-BR" sz="1200" dirty="0"/>
+          </a:p>
+        </p:txBody>
+      </p:sp>
+      <p:sp>
+        <p:nvSpPr>
+          <p:cNvPr id="9" name="Retângulo 8"/>
+          <p:cNvSpPr/>
+          <p:nvPr/>
+        </p:nvSpPr>
+        <p:spPr>
+          <a:xfrm>
+            <a:off x="5060269" y="3289548"/>
+            <a:ext cx="2464059" cy="288032"/>
+          </a:xfrm>
+          <a:prstGeom prst="rect">
+            <a:avLst/>
+          </a:prstGeom>
+          <a:noFill/>
+          <a:ln>
+            <a:prstDash val="dash"/>
+          </a:ln>
+        </p:spPr>
+        <p:style>
+          <a:lnRef idx="2">
+            <a:schemeClr val="accent1">
+              <a:shade val="50000"/>
+            </a:schemeClr>
+          </a:lnRef>
+          <a:fillRef idx="1">
+            <a:schemeClr val="accent1"/>
+          </a:fillRef>
+          <a:effectRef idx="0">
+            <a:schemeClr val="accent1"/>
+          </a:effectRef>
+          <a:fontRef idx="minor">
+            <a:schemeClr val="lt1"/>
+          </a:fontRef>
+        </p:style>
+        <p:txBody>
+          <a:bodyPr rtlCol="0" anchor="ctr"/>
+          <a:lstStyle/>
+          <a:p>
+            <a:pPr algn="ctr"/>
+            <a:endParaRPr lang="pt-BR"/>
+          </a:p>
+        </p:txBody>
+      </p:sp>
+      <p:sp>
+        <p:nvSpPr>
+          <p:cNvPr id="10" name="Retângulo 9"/>
+          <p:cNvSpPr/>
+          <p:nvPr/>
+        </p:nvSpPr>
+        <p:spPr>
+          <a:xfrm>
+            <a:off x="5060269" y="4009628"/>
+            <a:ext cx="2464059" cy="288032"/>
+          </a:xfrm>
+          <a:prstGeom prst="rect">
+            <a:avLst/>
+          </a:prstGeom>
+          <a:noFill/>
+          <a:ln>
+            <a:prstDash val="dash"/>
+          </a:ln>
+        </p:spPr>
+        <p:style>
+          <a:lnRef idx="2">
+            <a:schemeClr val="accent1">
+              <a:shade val="50000"/>
+            </a:schemeClr>
+          </a:lnRef>
+          <a:fillRef idx="1">
+            <a:schemeClr val="accent1"/>
+          </a:fillRef>
+          <a:effectRef idx="0">
+            <a:schemeClr val="accent1"/>
+          </a:effectRef>
+          <a:fontRef idx="minor">
+            <a:schemeClr val="lt1"/>
+          </a:fontRef>
+        </p:style>
+        <p:txBody>
+          <a:bodyPr rtlCol="0" anchor="ctr"/>
+          <a:lstStyle/>
+          <a:p>
+            <a:pPr algn="ctr"/>
+            <a:endParaRPr lang="pt-BR"/>
+          </a:p>
+        </p:txBody>
+      </p:sp>
+    </p:spTree>
+    <p:extLst>
+      <p:ext uri="{BB962C8B-B14F-4D97-AF65-F5344CB8AC3E}">
+        <p14:creationId xmlns:p14="http://schemas.microsoft.com/office/powerpoint/2010/main" val="3016314537"/>
+      </p:ext>
+    </p:extLst>
+  </p:cSld>
+  <p:clrMapOvr>
+    <a:masterClrMapping/>
+  </p:clrMapOvr>
+</p:sld>
+</file>
+
+<file path=ppt/slides/slide52.xml><?xml version="1.0" encoding="utf-8"?>
+<p:sld xmlns:a="http://schemas.openxmlformats.org/drawingml/2006/main" xmlns:r="http://schemas.openxmlformats.org/officeDocument/2006/relationships" xmlns:p="http://schemas.openxmlformats.org/presentationml/2006/main">
+  <p:cSld>
+    <p:spTree>
+      <p:nvGrpSpPr>
+        <p:cNvPr id="1" name=""/>
+        <p:cNvGrpSpPr/>
+        <p:nvPr/>
+      </p:nvGrpSpPr>
+      <p:grpSpPr>
+        <a:xfrm>
+          <a:off x="0" y="0"/>
+          <a:ext cx="0" cy="0"/>
+          <a:chOff x="0" y="0"/>
+          <a:chExt cx="0" cy="0"/>
+        </a:xfrm>
+      </p:grpSpPr>
+      <p:sp>
+        <p:nvSpPr>
+          <p:cNvPr id="2" name="Título 1"/>
+          <p:cNvSpPr>
+            <a:spLocks noGrp="1"/>
+          </p:cNvSpPr>
+          <p:nvPr>
+            <p:ph type="title"/>
+          </p:nvPr>
+        </p:nvSpPr>
+        <p:spPr>
+          <a:xfrm>
+            <a:off x="1331640" y="2497460"/>
+            <a:ext cx="6491064" cy="889000"/>
+          </a:xfrm>
+        </p:spPr>
+        <p:txBody>
+          <a:bodyPr/>
+          <a:lstStyle/>
+          <a:p>
+            <a:r>
+              <a:rPr lang="pt-BR" dirty="0" smtClean="0"/>
+              <a:t>Tipos e métodos genéricos</a:t>
+            </a:r>
+            <a:endParaRPr lang="pt-BR" dirty="0"/>
+          </a:p>
+        </p:txBody>
+      </p:sp>
+    </p:spTree>
+    <p:extLst>
+      <p:ext uri="{BB962C8B-B14F-4D97-AF65-F5344CB8AC3E}">
+        <p14:creationId xmlns:p14="http://schemas.microsoft.com/office/powerpoint/2010/main" val="2251557518"/>
       </p:ext>
     </p:extLst>
   </p:cSld>
